--- a/Presentations/2. GC-Memory management layers.pptx
+++ b/Presentations/2. GC-Memory management layers.pptx
@@ -5,12 +5,13 @@
     <p:sldMasterId id="2147483648" r:id="rId1"/>
   </p:sldMasterIdLst>
   <p:notesMasterIdLst>
-    <p:notesMasterId r:id="rId5"/>
+    <p:notesMasterId r:id="rId6"/>
   </p:notesMasterIdLst>
   <p:sldIdLst>
     <p:sldId id="398" r:id="rId2"/>
     <p:sldId id="399" r:id="rId3"/>
-    <p:sldId id="400" r:id="rId4"/>
+    <p:sldId id="401" r:id="rId4"/>
+    <p:sldId id="400" r:id="rId5"/>
   </p:sldIdLst>
   <p:sldSz cx="12192000" cy="6858000"/>
   <p:notesSz cx="6858000" cy="9144000"/>
@@ -116,6 +117,7 @@
           <p14:sldIdLst>
             <p14:sldId id="398"/>
             <p14:sldId id="399"/>
+            <p14:sldId id="401"/>
             <p14:sldId id="400"/>
           </p14:sldIdLst>
         </p14:section>
@@ -4387,10 +4389,10 @@
       </p:grpSpPr>
       <p:pic>
         <p:nvPicPr>
-          <p:cNvPr id="10" name="Picture 9">
-            <a:extLst>
-              <a:ext uri="{FF2B5EF4-FFF2-40B4-BE49-F238E27FC236}">
-                <a16:creationId xmlns:a16="http://schemas.microsoft.com/office/drawing/2014/main" id="{7F86FBF7-C132-458C-9458-F6D37256E195}"/>
+          <p:cNvPr id="14" name="Picture 13">
+            <a:extLst>
+              <a:ext uri="{FF2B5EF4-FFF2-40B4-BE49-F238E27FC236}">
+                <a16:creationId xmlns:a16="http://schemas.microsoft.com/office/drawing/2014/main" id="{B8B867EE-3881-4D80-A3E6-43CF0472EBB5}"/>
               </a:ext>
             </a:extLst>
           </p:cNvPr>
@@ -4406,8 +4408,8 @@
         </p:blipFill>
         <p:spPr>
           <a:xfrm>
-            <a:off x="1" y="0"/>
-            <a:ext cx="12192000" cy="6858000"/>
+            <a:off x="0" y="-1"/>
+            <a:ext cx="12191999" cy="6858001"/>
           </a:xfrm>
           <a:prstGeom prst="rect">
             <a:avLst/>
@@ -4428,9 +4430,9 @@
         </p:nvGrpSpPr>
         <p:grpSpPr>
           <a:xfrm>
-            <a:off x="6522943" y="1633254"/>
+            <a:off x="6481803" y="1724213"/>
             <a:ext cx="5324476" cy="3649945"/>
-            <a:chOff x="6497543" y="2456151"/>
+            <a:chOff x="5855088" y="-117199"/>
             <a:chExt cx="5324476" cy="3649945"/>
           </a:xfrm>
         </p:grpSpPr>
@@ -4450,7 +4452,7 @@
           </p:nvSpPr>
           <p:spPr>
             <a:xfrm>
-              <a:off x="6497543" y="2456151"/>
+              <a:off x="5855088" y="-117199"/>
               <a:ext cx="5324476" cy="3649945"/>
             </a:xfrm>
             <a:prstGeom prst="rect">
@@ -5135,7 +5137,7 @@
           </p:blipFill>
           <p:spPr bwMode="auto">
             <a:xfrm>
-              <a:off x="7408184" y="3955793"/>
+              <a:off x="6763290" y="1378238"/>
               <a:ext cx="228600" cy="228600"/>
             </a:xfrm>
             <a:prstGeom prst="rect">
@@ -5183,7 +5185,7 @@
         </p:blipFill>
         <p:spPr>
           <a:xfrm>
-            <a:off x="1228236" y="2252024"/>
+            <a:off x="1324489" y="2319528"/>
             <a:ext cx="2218944" cy="2218944"/>
           </a:xfrm>
           <a:prstGeom prst="ellipse">
@@ -5196,6 +5198,13 @@
               </a:schemeClr>
             </a:solidFill>
           </a:ln>
+          <a:effectLst>
+            <a:outerShdw blurRad="63500" sx="102000" sy="102000" algn="ctr" rotWithShape="0">
+              <a:prstClr val="black">
+                <a:alpha val="40000"/>
+              </a:prstClr>
+            </a:outerShdw>
+          </a:effectLst>
         </p:spPr>
       </p:pic>
       <p:sp>
@@ -5256,7 +5265,7 @@
         </p:blipFill>
         <p:spPr>
           <a:xfrm>
-            <a:off x="10260530" y="6448817"/>
+            <a:off x="10323669" y="6471082"/>
             <a:ext cx="1771688" cy="322640"/>
           </a:xfrm>
           <a:prstGeom prst="rect">
@@ -5278,6 +5287,290 @@
 </file>
 
 <file path=ppt/slides/slide3.xml><?xml version="1.0" encoding="utf-8"?>
+<p:sld xmlns:a="http://schemas.openxmlformats.org/drawingml/2006/main" xmlns:r="http://schemas.openxmlformats.org/officeDocument/2006/relationships" xmlns:p="http://schemas.openxmlformats.org/presentationml/2006/main">
+  <p:cSld>
+    <p:spTree>
+      <p:nvGrpSpPr>
+        <p:cNvPr id="1" name=""/>
+        <p:cNvGrpSpPr/>
+        <p:nvPr/>
+      </p:nvGrpSpPr>
+      <p:grpSpPr>
+        <a:xfrm>
+          <a:off x="0" y="0"/>
+          <a:ext cx="0" cy="0"/>
+          <a:chOff x="0" y="0"/>
+          <a:chExt cx="0" cy="0"/>
+        </a:xfrm>
+      </p:grpSpPr>
+      <p:pic>
+        <p:nvPicPr>
+          <p:cNvPr id="8" name="Picture 7">
+            <a:extLst>
+              <a:ext uri="{FF2B5EF4-FFF2-40B4-BE49-F238E27FC236}">
+                <a16:creationId xmlns:a16="http://schemas.microsoft.com/office/drawing/2014/main" id="{929A7203-3F23-4298-ACE4-D57D61E125DF}"/>
+              </a:ext>
+            </a:extLst>
+          </p:cNvPr>
+          <p:cNvPicPr>
+            <a:picLocks noChangeAspect="1"/>
+          </p:cNvPicPr>
+          <p:nvPr/>
+        </p:nvPicPr>
+        <p:blipFill rotWithShape="1">
+          <a:blip r:embed="rId2"/>
+          <a:srcRect t="5000" b="5000"/>
+          <a:stretch/>
+        </p:blipFill>
+        <p:spPr>
+          <a:xfrm>
+            <a:off x="0" y="-1"/>
+            <a:ext cx="12191999" cy="6858001"/>
+          </a:xfrm>
+          <a:prstGeom prst="rect">
+            <a:avLst/>
+          </a:prstGeom>
+        </p:spPr>
+      </p:pic>
+      <p:pic>
+        <p:nvPicPr>
+          <p:cNvPr id="5" name="Picture Placeholder 2" descr="A person sitting at a table&#10;&#10;Description generated with very high confidence">
+            <a:extLst>
+              <a:ext uri="{FF2B5EF4-FFF2-40B4-BE49-F238E27FC236}">
+                <a16:creationId xmlns:a16="http://schemas.microsoft.com/office/drawing/2014/main" id="{FE1311FC-69D3-4E98-8142-EB3E926083D4}"/>
+              </a:ext>
+            </a:extLst>
+          </p:cNvPr>
+          <p:cNvPicPr>
+            <a:picLocks noChangeAspect="1"/>
+          </p:cNvPicPr>
+          <p:nvPr/>
+        </p:nvPicPr>
+        <p:blipFill>
+          <a:blip r:embed="rId3" cstate="print">
+            <a:extLst>
+              <a:ext uri="{28A0092B-C50C-407E-A947-70E740481C1C}">
+                <a14:useLocalDpi xmlns:a14="http://schemas.microsoft.com/office/drawing/2010/main" val="0"/>
+              </a:ext>
+            </a:extLst>
+          </a:blip>
+          <a:srcRect l="16660" r="16660"/>
+          <a:stretch>
+            <a:fillRect/>
+          </a:stretch>
+        </p:blipFill>
+        <p:spPr>
+          <a:xfrm>
+            <a:off x="1324489" y="2319528"/>
+            <a:ext cx="2218944" cy="2218944"/>
+          </a:xfrm>
+          <a:prstGeom prst="ellipse">
+            <a:avLst/>
+          </a:prstGeom>
+          <a:ln>
+            <a:solidFill>
+              <a:schemeClr val="accent6">
+                <a:shade val="50000"/>
+              </a:schemeClr>
+            </a:solidFill>
+          </a:ln>
+          <a:effectLst>
+            <a:outerShdw blurRad="63500" sx="102000" sy="102000" algn="ctr" rotWithShape="0">
+              <a:prstClr val="black">
+                <a:alpha val="40000"/>
+              </a:prstClr>
+            </a:outerShdw>
+          </a:effectLst>
+        </p:spPr>
+      </p:pic>
+      <p:sp>
+        <p:nvSpPr>
+          <p:cNvPr id="2" name="TextBox 1">
+            <a:extLst>
+              <a:ext uri="{FF2B5EF4-FFF2-40B4-BE49-F238E27FC236}">
+                <a16:creationId xmlns:a16="http://schemas.microsoft.com/office/drawing/2014/main" id="{FA93BFE0-72DC-4736-9797-98E34C8A7D85}"/>
+              </a:ext>
+            </a:extLst>
+          </p:cNvPr>
+          <p:cNvSpPr txBox="1"/>
+          <p:nvPr/>
+        </p:nvSpPr>
+        <p:spPr>
+          <a:xfrm>
+            <a:off x="314325" y="6159500"/>
+            <a:ext cx="301686" cy="369332"/>
+          </a:xfrm>
+          <a:prstGeom prst="rect">
+            <a:avLst/>
+          </a:prstGeom>
+          <a:noFill/>
+        </p:spPr>
+        <p:txBody>
+          <a:bodyPr wrap="none" rtlCol="0">
+            <a:spAutoFit/>
+          </a:bodyPr>
+          <a:lstStyle/>
+          <a:p>
+            <a:fld id="{0ED144EA-89AE-4759-8B06-27CCA8284B21}" type="slidenum">
+              <a:rPr lang="en-US" smtClean="0"/>
+              <a:t>3</a:t>
+            </a:fld>
+            <a:endParaRPr lang="en-US" dirty="0"/>
+          </a:p>
+        </p:txBody>
+      </p:sp>
+      <p:pic>
+        <p:nvPicPr>
+          <p:cNvPr id="6" name="Picture 5">
+            <a:extLst>
+              <a:ext uri="{FF2B5EF4-FFF2-40B4-BE49-F238E27FC236}">
+                <a16:creationId xmlns:a16="http://schemas.microsoft.com/office/drawing/2014/main" id="{3D86FFA0-7246-4F9C-8DA0-0EB436DA1D44}"/>
+              </a:ext>
+            </a:extLst>
+          </p:cNvPr>
+          <p:cNvPicPr>
+            <a:picLocks noChangeAspect="1"/>
+          </p:cNvPicPr>
+          <p:nvPr/>
+        </p:nvPicPr>
+        <p:blipFill>
+          <a:blip r:embed="rId4"/>
+          <a:stretch>
+            <a:fillRect/>
+          </a:stretch>
+        </p:blipFill>
+        <p:spPr>
+          <a:xfrm>
+            <a:off x="10323669" y="6471082"/>
+            <a:ext cx="1771688" cy="322640"/>
+          </a:xfrm>
+          <a:prstGeom prst="rect">
+            <a:avLst/>
+          </a:prstGeom>
+        </p:spPr>
+      </p:pic>
+      <p:pic>
+        <p:nvPicPr>
+          <p:cNvPr id="9" name="Picture 8">
+            <a:extLst>
+              <a:ext uri="{FF2B5EF4-FFF2-40B4-BE49-F238E27FC236}">
+                <a16:creationId xmlns:a16="http://schemas.microsoft.com/office/drawing/2014/main" id="{B7A1905E-1A72-470C-97C9-5F12FD18C06C}"/>
+              </a:ext>
+            </a:extLst>
+          </p:cNvPr>
+          <p:cNvPicPr>
+            <a:picLocks noChangeAspect="1"/>
+          </p:cNvPicPr>
+          <p:nvPr/>
+        </p:nvPicPr>
+        <p:blipFill>
+          <a:blip r:embed="rId5">
+            <a:extLst>
+              <a:ext uri="{28A0092B-C50C-407E-A947-70E740481C1C}">
+                <a14:useLocalDpi xmlns:a14="http://schemas.microsoft.com/office/drawing/2010/main" val="0"/>
+              </a:ext>
+            </a:extLst>
+          </a:blip>
+          <a:stretch>
+            <a:fillRect/>
+          </a:stretch>
+        </p:blipFill>
+        <p:spPr>
+          <a:xfrm>
+            <a:off x="7380659" y="1134087"/>
+            <a:ext cx="3143130" cy="4437637"/>
+          </a:xfrm>
+          <a:prstGeom prst="rect">
+            <a:avLst/>
+          </a:prstGeom>
+        </p:spPr>
+      </p:pic>
+      <p:pic>
+        <p:nvPicPr>
+          <p:cNvPr id="10" name="Picture 9">
+            <a:extLst>
+              <a:ext uri="{FF2B5EF4-FFF2-40B4-BE49-F238E27FC236}">
+                <a16:creationId xmlns:a16="http://schemas.microsoft.com/office/drawing/2014/main" id="{4AC2E09C-700F-467A-A2B1-C7B91D7944F5}"/>
+              </a:ext>
+            </a:extLst>
+          </p:cNvPr>
+          <p:cNvPicPr>
+            <a:picLocks noChangeAspect="1"/>
+          </p:cNvPicPr>
+          <p:nvPr/>
+        </p:nvPicPr>
+        <p:blipFill>
+          <a:blip r:embed="rId6"/>
+          <a:stretch>
+            <a:fillRect/>
+          </a:stretch>
+        </p:blipFill>
+        <p:spPr>
+          <a:xfrm>
+            <a:off x="6686837" y="279453"/>
+            <a:ext cx="4530775" cy="632930"/>
+          </a:xfrm>
+          <a:prstGeom prst="rect">
+            <a:avLst/>
+          </a:prstGeom>
+        </p:spPr>
+      </p:pic>
+      <p:sp>
+        <p:nvSpPr>
+          <p:cNvPr id="11" name="TextBox 10">
+            <a:extLst>
+              <a:ext uri="{FF2B5EF4-FFF2-40B4-BE49-F238E27FC236}">
+                <a16:creationId xmlns:a16="http://schemas.microsoft.com/office/drawing/2014/main" id="{F5D99A41-F3BB-4867-A6EE-6C5F144D1583}"/>
+              </a:ext>
+            </a:extLst>
+          </p:cNvPr>
+          <p:cNvSpPr txBox="1"/>
+          <p:nvPr/>
+        </p:nvSpPr>
+        <p:spPr>
+          <a:xfrm>
+            <a:off x="6686837" y="5773977"/>
+            <a:ext cx="4613222" cy="369332"/>
+          </a:xfrm>
+          <a:prstGeom prst="rect">
+            <a:avLst/>
+          </a:prstGeom>
+          <a:noFill/>
+        </p:spPr>
+        <p:txBody>
+          <a:bodyPr wrap="square" rtlCol="0">
+            <a:spAutoFit/>
+          </a:bodyPr>
+          <a:lstStyle/>
+          <a:p>
+            <a:pPr algn="ctr"/>
+            <a:r>
+              <a:rPr lang="en-US" dirty="0">
+                <a:hlinkClick r:id="rId7"/>
+              </a:rPr>
+              <a:t>https://github.com/sidristij/dotnetbook</a:t>
+            </a:r>
+            <a:r>
+              <a:rPr lang="en-US" dirty="0"/>
+              <a:t> </a:t>
+            </a:r>
+          </a:p>
+        </p:txBody>
+      </p:sp>
+    </p:spTree>
+    <p:extLst>
+      <p:ext uri="{BB962C8B-B14F-4D97-AF65-F5344CB8AC3E}">
+        <p14:creationId xmlns:p14="http://schemas.microsoft.com/office/powerpoint/2010/main" val="1392649214"/>
+      </p:ext>
+    </p:extLst>
+  </p:cSld>
+  <p:clrMapOvr>
+    <a:masterClrMapping/>
+  </p:clrMapOvr>
+</p:sld>
+</file>
+
+<file path=ppt/slides/slide4.xml><?xml version="1.0" encoding="utf-8"?>
 <p:sld xmlns:a="http://schemas.openxmlformats.org/drawingml/2006/main" xmlns:r="http://schemas.openxmlformats.org/officeDocument/2006/relationships" xmlns:p="http://schemas.openxmlformats.org/presentationml/2006/main">
   <p:cSld>
     <p:spTree>
